--- a/AngularJs.pptx
+++ b/AngularJs.pptx
@@ -5,7 +5,7 @@
     <p:sldMasterId id="2147483708" r:id="rId1"/>
   </p:sldMasterIdLst>
   <p:notesMasterIdLst>
-    <p:notesMasterId r:id="rId21"/>
+    <p:notesMasterId r:id="rId22"/>
   </p:notesMasterIdLst>
   <p:sldIdLst>
     <p:sldId id="256" r:id="rId2"/>
@@ -26,7 +26,8 @@
     <p:sldId id="274" r:id="rId17"/>
     <p:sldId id="275" r:id="rId18"/>
     <p:sldId id="276" r:id="rId19"/>
-    <p:sldId id="277" r:id="rId20"/>
+    <p:sldId id="278" r:id="rId20"/>
+    <p:sldId id="277" r:id="rId21"/>
   </p:sldIdLst>
   <p:sldSz cx="9144000" cy="6858000" type="screen4x3"/>
   <p:notesSz cx="6858000" cy="9144000"/>
@@ -125,6 +126,22 @@
       </a:defRPr>
     </a:lvl9pPr>
   </p:defaultTextStyle>
+  <p:extLst>
+    <p:ext uri="{EFAFB233-063F-42B5-8137-9DF3F51BA10A}">
+      <p15:sldGuideLst xmlns:p15="http://schemas.microsoft.com/office/powerpoint/2012/main">
+        <p15:guide id="1" orient="horz" pos="2160">
+          <p15:clr>
+            <a:srgbClr val="A4A3A4"/>
+          </p15:clr>
+        </p15:guide>
+        <p15:guide id="2" pos="2880">
+          <p15:clr>
+            <a:srgbClr val="A4A3A4"/>
+          </p15:clr>
+        </p15:guide>
+      </p15:sldGuideLst>
+    </p:ext>
+  </p:extLst>
 </p:presentation>
 </file>
 
@@ -211,7 +228,7 @@
             <a:fld id="{B7B4A22D-DA97-4002-BA75-33CE1C33BB25}" type="datetimeFigureOut">
               <a:rPr lang="en-IN" smtClean="0"/>
               <a:pPr/>
-              <a:t>28-02-2014</a:t>
+              <a:t>19-05-2014</a:t>
             </a:fld>
             <a:endParaRPr lang="en-IN"/>
           </a:p>
@@ -555,6 +572,11 @@
         </p:txBody>
       </p:sp>
     </p:spTree>
+    <p:extLst>
+      <p:ext uri="{BB962C8B-B14F-4D97-AF65-F5344CB8AC3E}">
+        <p14:creationId xmlns:p14="http://schemas.microsoft.com/office/powerpoint/2010/main" val="853820288"/>
+      </p:ext>
+    </p:extLst>
   </p:cSld>
   <p:clrMapOvr>
     <a:masterClrMapping/>
@@ -906,6 +928,11 @@
         </p:txBody>
       </p:sp>
     </p:spTree>
+    <p:extLst>
+      <p:ext uri="{BB962C8B-B14F-4D97-AF65-F5344CB8AC3E}">
+        <p14:creationId xmlns:p14="http://schemas.microsoft.com/office/powerpoint/2010/main" val="3535171397"/>
+      </p:ext>
+    </p:extLst>
   </p:cSld>
   <p:clrMapOvr>
     <a:masterClrMapping/>
@@ -1095,7 +1122,7 @@
             <a:fld id="{343E6140-E054-46FA-9A96-872999A3C81D}" type="datetime3">
               <a:rPr lang="en-US" smtClean="0"/>
               <a:pPr/>
-              <a:t>28 February 2014</a:t>
+              <a:t>19 May 2014</a:t>
             </a:fld>
             <a:endParaRPr lang="en-US" dirty="0"/>
           </a:p>
@@ -1266,7 +1293,7 @@
             <a:fld id="{EB29D142-3E85-4673-8759-53F6519F66AB}" type="datetime3">
               <a:rPr lang="en-US" smtClean="0"/>
               <a:pPr/>
-              <a:t>28 February 2014</a:t>
+              <a:t>19 May 2014</a:t>
             </a:fld>
             <a:endParaRPr lang="en-US" dirty="0"/>
           </a:p>
@@ -1447,7 +1474,7 @@
             <a:fld id="{B6A55304-7E17-4F51-8CBC-0267A37E9E6C}" type="datetime3">
               <a:rPr lang="en-US" smtClean="0"/>
               <a:pPr/>
-              <a:t>28 February 2014</a:t>
+              <a:t>19 May 2014</a:t>
             </a:fld>
             <a:endParaRPr lang="en-US" dirty="0"/>
           </a:p>
@@ -1618,7 +1645,7 @@
             <a:fld id="{A515C7B7-5D4B-4931-8F39-EEC12BF65E38}" type="datetime3">
               <a:rPr lang="en-US" smtClean="0"/>
               <a:pPr/>
-              <a:t>28 February 2014</a:t>
+              <a:t>19 May 2014</a:t>
             </a:fld>
             <a:endParaRPr lang="en-US" dirty="0"/>
           </a:p>
@@ -1865,7 +1892,7 @@
             <a:fld id="{9C48F422-298E-4CFC-9203-5A1471A7E674}" type="datetime3">
               <a:rPr lang="en-US" smtClean="0"/>
               <a:pPr/>
-              <a:t>28 February 2014</a:t>
+              <a:t>19 May 2014</a:t>
             </a:fld>
             <a:endParaRPr lang="en-US" dirty="0"/>
           </a:p>
@@ -2154,7 +2181,7 @@
             <a:fld id="{F3936F1F-3DE7-4714-A19B-6C668F304AED}" type="datetime3">
               <a:rPr lang="en-US" smtClean="0"/>
               <a:pPr/>
-              <a:t>28 February 2014</a:t>
+              <a:t>19 May 2014</a:t>
             </a:fld>
             <a:endParaRPr lang="en-US" dirty="0"/>
           </a:p>
@@ -2577,7 +2604,7 @@
             <a:fld id="{4E719D54-83F5-4BA4-A2E6-A86304296923}" type="datetime3">
               <a:rPr lang="en-US" smtClean="0"/>
               <a:pPr/>
-              <a:t>28 February 2014</a:t>
+              <a:t>19 May 2014</a:t>
             </a:fld>
             <a:endParaRPr lang="en-US" dirty="0"/>
           </a:p>
@@ -2696,7 +2723,7 @@
             <a:fld id="{C65AAE15-EE1E-4FDA-A9B7-BF747A71D8F5}" type="datetime3">
               <a:rPr lang="en-US" smtClean="0"/>
               <a:pPr/>
-              <a:t>28 February 2014</a:t>
+              <a:t>19 May 2014</a:t>
             </a:fld>
             <a:endParaRPr lang="en-US" dirty="0"/>
           </a:p>
@@ -2792,7 +2819,7 @@
             <a:fld id="{69AC644D-73C7-4518-A491-049AC8AF3629}" type="datetime3">
               <a:rPr lang="en-US" smtClean="0"/>
               <a:pPr/>
-              <a:t>28 February 2014</a:t>
+              <a:t>19 May 2014</a:t>
             </a:fld>
             <a:endParaRPr lang="en-US" dirty="0"/>
           </a:p>
@@ -3070,7 +3097,7 @@
             <a:fld id="{9269B8CA-166E-490A-AECA-1A185FAD9E65}" type="datetime3">
               <a:rPr lang="en-US" smtClean="0"/>
               <a:pPr/>
-              <a:t>28 February 2014</a:t>
+              <a:t>19 May 2014</a:t>
             </a:fld>
             <a:endParaRPr lang="en-US" dirty="0"/>
           </a:p>
@@ -3324,7 +3351,7 @@
             <a:fld id="{F1403047-134D-4443-97BB-DB8A0BA72F8D}" type="datetime3">
               <a:rPr lang="en-US" smtClean="0"/>
               <a:pPr/>
-              <a:t>28 February 2014</a:t>
+              <a:t>19 May 2014</a:t>
             </a:fld>
             <a:endParaRPr lang="en-US" dirty="0"/>
           </a:p>
@@ -3544,7 +3571,7 @@
             <a:fld id="{105A87A3-FBD4-4833-B590-A86012C61954}" type="datetime3">
               <a:rPr lang="en-US" smtClean="0"/>
               <a:pPr/>
-              <a:t>28 February 2014</a:t>
+              <a:t>19 May 2014</a:t>
             </a:fld>
             <a:endParaRPr lang="en-US" dirty="0"/>
           </a:p>
@@ -4066,7 +4093,7 @@
             <a:fld id="{A4CF2B19-B198-4A4D-A83F-173D60E85799}" type="datetime3">
               <a:rPr lang="en-US" smtClean="0"/>
               <a:pPr/>
-              <a:t>28 February 2014</a:t>
+              <a:t>19 May 2014</a:t>
             </a:fld>
             <a:endParaRPr lang="en-US" dirty="0"/>
           </a:p>
@@ -4675,7 +4702,7 @@
             <a:fld id="{619206CA-1815-4066-83C6-63FE28EEFF10}" type="datetime3">
               <a:rPr lang="en-US" smtClean="0"/>
               <a:pPr/>
-              <a:t>28 February 2014</a:t>
+              <a:t>19 May 2014</a:t>
             </a:fld>
             <a:endParaRPr lang="en-US" dirty="0"/>
           </a:p>
@@ -5554,7 +5581,7 @@
             <a:fld id="{7B5FBCB9-580B-411E-8E78-8958DCA9547F}" type="datetime3">
               <a:rPr lang="en-US" smtClean="0"/>
               <a:pPr/>
-              <a:t>28 February 2014</a:t>
+              <a:t>19 May 2014</a:t>
             </a:fld>
             <a:endParaRPr lang="en-US" dirty="0"/>
           </a:p>
@@ -5759,15 +5786,7 @@
             </a:pPr>
             <a:r>
               <a:rPr lang="en-IN" dirty="0" smtClean="0"/>
-              <a:t>&lt;div  </a:t>
-            </a:r>
-            <a:r>
-              <a:rPr lang="en-IN" dirty="0" err="1" smtClean="0"/>
-              <a:t>ng</a:t>
-            </a:r>
-            <a:r>
-              <a:rPr lang="en-IN" dirty="0" smtClean="0"/>
-              <a:t>-controller=‘hellocontroller’&gt;</a:t>
+              <a:t>&lt;div  ng-controller=‘hellocontroller’&gt;</a:t>
             </a:r>
           </a:p>
           <a:p>
@@ -5878,190 +5897,6 @@
               <a:t>	</a:t>
             </a:r>
             <a:endParaRPr lang="en-GB" dirty="0"/>
-          </a:p>
-        </p:txBody>
-      </p:sp>
-      <p:sp>
-        <p:nvSpPr>
-          <p:cNvPr id="11" name="Rounded Rectangle 10"/>
-          <p:cNvSpPr/>
-          <p:nvPr/>
-        </p:nvSpPr>
-        <p:spPr>
-          <a:xfrm>
-            <a:off x="1752600" y="2057400"/>
-            <a:ext cx="4114800" cy="457200"/>
-          </a:xfrm>
-          <a:prstGeom prst="roundRect">
-            <a:avLst/>
-          </a:prstGeom>
-          <a:solidFill>
-            <a:schemeClr val="accent1">
-              <a:alpha val="66000"/>
-            </a:schemeClr>
-          </a:solidFill>
-        </p:spPr>
-        <p:style>
-          <a:lnRef idx="2">
-            <a:schemeClr val="accent1">
-              <a:shade val="50000"/>
-            </a:schemeClr>
-          </a:lnRef>
-          <a:fillRef idx="1">
-            <a:schemeClr val="accent1"/>
-          </a:fillRef>
-          <a:effectRef idx="0">
-            <a:schemeClr val="accent1"/>
-          </a:effectRef>
-          <a:fontRef idx="minor">
-            <a:schemeClr val="lt1"/>
-          </a:fontRef>
-        </p:style>
-        <p:txBody>
-          <a:bodyPr rtlCol="0" anchor="ctr"/>
-          <a:lstStyle/>
-          <a:p>
-            <a:pPr algn="ctr"/>
-            <a:endParaRPr lang="en-IN"/>
-          </a:p>
-        </p:txBody>
-      </p:sp>
-      <p:sp>
-        <p:nvSpPr>
-          <p:cNvPr id="13" name="Snip Single Corner Rectangle 12"/>
-          <p:cNvSpPr/>
-          <p:nvPr/>
-        </p:nvSpPr>
-        <p:spPr>
-          <a:xfrm>
-            <a:off x="789709" y="1981200"/>
-            <a:ext cx="5562600" cy="1295400"/>
-          </a:xfrm>
-          <a:prstGeom prst="snip1Rect">
-            <a:avLst/>
-          </a:prstGeom>
-          <a:solidFill>
-            <a:schemeClr val="accent4">
-              <a:alpha val="25000"/>
-            </a:schemeClr>
-          </a:solidFill>
-        </p:spPr>
-        <p:style>
-          <a:lnRef idx="2">
-            <a:schemeClr val="accent1">
-              <a:shade val="50000"/>
-            </a:schemeClr>
-          </a:lnRef>
-          <a:fillRef idx="1">
-            <a:schemeClr val="accent1"/>
-          </a:fillRef>
-          <a:effectRef idx="0">
-            <a:schemeClr val="accent1"/>
-          </a:effectRef>
-          <a:fontRef idx="minor">
-            <a:schemeClr val="lt1"/>
-          </a:fontRef>
-        </p:style>
-        <p:txBody>
-          <a:bodyPr rtlCol="0" anchor="ctr"/>
-          <a:lstStyle/>
-          <a:p>
-            <a:pPr algn="ctr"/>
-            <a:endParaRPr lang="en-IN"/>
-          </a:p>
-        </p:txBody>
-      </p:sp>
-      <p:sp>
-        <p:nvSpPr>
-          <p:cNvPr id="14" name="Rectangular Callout 13"/>
-          <p:cNvSpPr/>
-          <p:nvPr/>
-        </p:nvSpPr>
-        <p:spPr>
-          <a:xfrm>
-            <a:off x="4572000" y="1332132"/>
-            <a:ext cx="1524000" cy="399366"/>
-          </a:xfrm>
-          <a:prstGeom prst="wedgeRectCallout">
-            <a:avLst>
-              <a:gd name="adj1" fmla="val -31663"/>
-              <a:gd name="adj2" fmla="val 128413"/>
-            </a:avLst>
-          </a:prstGeom>
-        </p:spPr>
-        <p:style>
-          <a:lnRef idx="2">
-            <a:schemeClr val="accent1">
-              <a:shade val="50000"/>
-            </a:schemeClr>
-          </a:lnRef>
-          <a:fillRef idx="1">
-            <a:schemeClr val="accent1"/>
-          </a:fillRef>
-          <a:effectRef idx="0">
-            <a:schemeClr val="accent1"/>
-          </a:effectRef>
-          <a:fontRef idx="minor">
-            <a:schemeClr val="lt1"/>
-          </a:fontRef>
-        </p:style>
-        <p:txBody>
-          <a:bodyPr rtlCol="0" anchor="ctr"/>
-          <a:lstStyle/>
-          <a:p>
-            <a:pPr algn="ctr"/>
-            <a:r>
-              <a:rPr lang="en-US" dirty="0" smtClean="0"/>
-              <a:t>Controller</a:t>
-            </a:r>
-            <a:endParaRPr lang="en-IN" dirty="0"/>
-          </a:p>
-        </p:txBody>
-      </p:sp>
-      <p:sp>
-        <p:nvSpPr>
-          <p:cNvPr id="15" name="Rectangular Callout 14"/>
-          <p:cNvSpPr/>
-          <p:nvPr/>
-        </p:nvSpPr>
-        <p:spPr>
-          <a:xfrm>
-            <a:off x="6615545" y="1830168"/>
-            <a:ext cx="1447800" cy="399366"/>
-          </a:xfrm>
-          <a:prstGeom prst="wedgeRectCallout">
-            <a:avLst>
-              <a:gd name="adj1" fmla="val -67591"/>
-              <a:gd name="adj2" fmla="val 145760"/>
-            </a:avLst>
-          </a:prstGeom>
-        </p:spPr>
-        <p:style>
-          <a:lnRef idx="2">
-            <a:schemeClr val="accent1">
-              <a:shade val="50000"/>
-            </a:schemeClr>
-          </a:lnRef>
-          <a:fillRef idx="1">
-            <a:schemeClr val="accent1"/>
-          </a:fillRef>
-          <a:effectRef idx="0">
-            <a:schemeClr val="accent1"/>
-          </a:effectRef>
-          <a:fontRef idx="minor">
-            <a:schemeClr val="lt1"/>
-          </a:fontRef>
-        </p:style>
-        <p:txBody>
-          <a:bodyPr rtlCol="0" anchor="ctr"/>
-          <a:lstStyle/>
-          <a:p>
-            <a:pPr algn="ctr"/>
-            <a:r>
-              <a:rPr lang="en-US" dirty="0" smtClean="0"/>
-              <a:t>View</a:t>
-            </a:r>
-            <a:endParaRPr lang="en-IN" dirty="0"/>
           </a:p>
         </p:txBody>
       </p:sp>
@@ -6099,40 +5934,16 @@
             </a:r>
             <a:r>
               <a:rPr lang="en-IN" dirty="0"/>
-              <a:t> </a:t>
-            </a:r>
-            <a:r>
-              <a:rPr lang="en-IN" dirty="0" err="1"/>
-              <a:t>hellocontroller</a:t>
-            </a:r>
+              <a:t> hellocontroller($scope){</a:t>
+            </a:r>
+          </a:p>
+          <a:p>
+            <a:pPr>
+              <a:buNone/>
+            </a:pPr>
             <a:r>
               <a:rPr lang="en-IN" dirty="0"/>
-              <a:t>($scope){</a:t>
-            </a:r>
-          </a:p>
-          <a:p>
-            <a:pPr>
-              <a:buNone/>
-            </a:pPr>
-            <a:r>
-              <a:rPr lang="en-IN" dirty="0"/>
-              <a:t>	$.</a:t>
-            </a:r>
-            <a:r>
-              <a:rPr lang="en-IN" dirty="0" err="1"/>
-              <a:t>scope.greetingtext</a:t>
-            </a:r>
-            <a:r>
-              <a:rPr lang="en-IN" dirty="0"/>
-              <a:t>=“</a:t>
-            </a:r>
-            <a:r>
-              <a:rPr lang="en-IN" dirty="0" err="1"/>
-              <a:t>HelloWorld</a:t>
-            </a:r>
-            <a:r>
-              <a:rPr lang="en-IN" dirty="0"/>
-              <a:t>”;</a:t>
+              <a:t>	$.scope.greetingtext=“HelloWorld”;</a:t>
             </a:r>
           </a:p>
           <a:p>
@@ -6303,9 +6114,55 @@
             <a:fld id="{335ED4B1-B6EA-4F35-85E7-2C3B07EF9BC2}" type="datetime3">
               <a:rPr lang="en-US" smtClean="0"/>
               <a:pPr/>
-              <a:t>28 February 2014</a:t>
+              <a:t>19 May 2014</a:t>
             </a:fld>
             <a:endParaRPr lang="en-US" dirty="0"/>
+          </a:p>
+        </p:txBody>
+      </p:sp>
+      <p:sp>
+        <p:nvSpPr>
+          <p:cNvPr id="23" name="Rectangular Callout 22"/>
+          <p:cNvSpPr/>
+          <p:nvPr/>
+        </p:nvSpPr>
+        <p:spPr>
+          <a:xfrm>
+            <a:off x="4040188" y="1865531"/>
+            <a:ext cx="1447800" cy="399366"/>
+          </a:xfrm>
+          <a:prstGeom prst="wedgeRectCallout">
+            <a:avLst>
+              <a:gd name="adj1" fmla="val -67591"/>
+              <a:gd name="adj2" fmla="val 145760"/>
+            </a:avLst>
+          </a:prstGeom>
+        </p:spPr>
+        <p:style>
+          <a:lnRef idx="2">
+            <a:schemeClr val="accent1">
+              <a:shade val="50000"/>
+            </a:schemeClr>
+          </a:lnRef>
+          <a:fillRef idx="1">
+            <a:schemeClr val="accent1"/>
+          </a:fillRef>
+          <a:effectRef idx="0">
+            <a:schemeClr val="accent1"/>
+          </a:effectRef>
+          <a:fontRef idx="minor">
+            <a:schemeClr val="lt1"/>
+          </a:fontRef>
+        </p:style>
+        <p:txBody>
+          <a:bodyPr rtlCol="0" anchor="ctr"/>
+          <a:lstStyle/>
+          <a:p>
+            <a:pPr algn="ctr"/>
+            <a:r>
+              <a:rPr lang="en-US" dirty="0" smtClean="0"/>
+              <a:t>Data binding</a:t>
+            </a:r>
           </a:p>
         </p:txBody>
       </p:sp>
@@ -6364,7 +6221,7 @@
             <a:fld id="{335ED4B1-B6EA-4F35-85E7-2C3B07EF9BC2}" type="datetime3">
               <a:rPr lang="en-US" smtClean="0"/>
               <a:pPr/>
-              <a:t>28 February 2014</a:t>
+              <a:t>19 May 2014</a:t>
             </a:fld>
             <a:endParaRPr lang="en-US" dirty="0"/>
           </a:p>
@@ -6702,7 +6559,7 @@
             <a:fld id="{69AC644D-73C7-4518-A491-049AC8AF3629}" type="datetime3">
               <a:rPr lang="en-US" smtClean="0"/>
               <a:pPr/>
-              <a:t>28 February 2014</a:t>
+              <a:t>19 May 2014</a:t>
             </a:fld>
             <a:endParaRPr lang="en-US" dirty="0"/>
           </a:p>
@@ -6865,7 +6722,7 @@
             <a:fld id="{A515C7B7-5D4B-4931-8F39-EEC12BF65E38}" type="datetime3">
               <a:rPr lang="en-US" smtClean="0"/>
               <a:pPr/>
-              <a:t>28 February 2014</a:t>
+              <a:t>19 May 2014</a:t>
             </a:fld>
             <a:endParaRPr lang="en-US" dirty="0"/>
           </a:p>
@@ -7035,7 +6892,7 @@
             <a:fld id="{A515C7B7-5D4B-4931-8F39-EEC12BF65E38}" type="datetime3">
               <a:rPr lang="en-US" smtClean="0"/>
               <a:pPr/>
-              <a:t>28 February 2014</a:t>
+              <a:t>19 May 2014</a:t>
             </a:fld>
             <a:endParaRPr lang="en-US" dirty="0"/>
           </a:p>
@@ -7176,15 +7033,7 @@
             <a:pPr lvl="1"/>
             <a:r>
               <a:rPr lang="en-IN" sz="2000" dirty="0" smtClean="0"/>
-              <a:t>Declares an element as a root element of the application allowing </a:t>
-            </a:r>
-            <a:r>
-              <a:rPr lang="en-IN" sz="2000" dirty="0" err="1" smtClean="0"/>
-              <a:t>behavior</a:t>
-            </a:r>
-            <a:r>
-              <a:rPr lang="en-IN" sz="2000" dirty="0" smtClean="0"/>
-              <a:t> to be modified through custom HTML tags.</a:t>
+              <a:t>Declares an element as a root element of the application allowing behavior to be modified through custom HTML tags.</a:t>
             </a:r>
           </a:p>
           <a:p>
@@ -7267,7 +7116,7 @@
             <a:fld id="{A515C7B7-5D4B-4931-8F39-EEC12BF65E38}" type="datetime3">
               <a:rPr lang="en-US" smtClean="0"/>
               <a:pPr/>
-              <a:t>28 February 2014</a:t>
+              <a:t>19 May 2014</a:t>
             </a:fld>
             <a:endParaRPr lang="en-US" dirty="0"/>
           </a:p>
@@ -7367,7 +7216,7 @@
           <a:bodyPr/>
           <a:lstStyle/>
           <a:p>
-            <a:endParaRPr lang="en-GB"/>
+            <a:endParaRPr lang="en-GB" dirty="0"/>
           </a:p>
         </p:txBody>
       </p:sp>
@@ -7490,7 +7339,7 @@
             <a:fld id="{A515C7B7-5D4B-4931-8F39-EEC12BF65E38}" type="datetime3">
               <a:rPr lang="en-US" smtClean="0"/>
               <a:pPr/>
-              <a:t>28 February 2014</a:t>
+              <a:t>19 May 2014</a:t>
             </a:fld>
             <a:endParaRPr lang="en-US" dirty="0"/>
           </a:p>
@@ -7570,137 +7419,6 @@
       </p:grpSpPr>
       <p:sp>
         <p:nvSpPr>
-          <p:cNvPr id="2" name="Title 1"/>
-          <p:cNvSpPr>
-            <a:spLocks noGrp="1"/>
-          </p:cNvSpPr>
-          <p:nvPr>
-            <p:ph type="title"/>
-          </p:nvPr>
-        </p:nvSpPr>
-        <p:spPr/>
-        <p:txBody>
-          <a:bodyPr/>
-          <a:lstStyle/>
-          <a:p>
-            <a:r>
-              <a:rPr lang="en-US" dirty="0"/>
-              <a:t>http://builtwith.angularjs.org/</a:t>
-            </a:r>
-          </a:p>
-        </p:txBody>
-      </p:sp>
-      <p:sp>
-        <p:nvSpPr>
-          <p:cNvPr id="3" name="Content Placeholder 2"/>
-          <p:cNvSpPr>
-            <a:spLocks noGrp="1"/>
-          </p:cNvSpPr>
-          <p:nvPr>
-            <p:ph idx="1"/>
-          </p:nvPr>
-        </p:nvSpPr>
-        <p:spPr/>
-        <p:txBody>
-          <a:bodyPr/>
-          <a:lstStyle/>
-          <a:p>
-            <a:r>
-              <a:rPr lang="en-US" dirty="0">
-                <a:hlinkClick r:id="rId2"/>
-              </a:rPr>
-              <a:t>http://www.localytics.com/blog/2013/angularjs-at-localytics</a:t>
-            </a:r>
-            <a:r>
-              <a:rPr lang="en-US" dirty="0" smtClean="0">
-                <a:hlinkClick r:id="rId2"/>
-              </a:rPr>
-              <a:t>/</a:t>
-            </a:r>
-            <a:endParaRPr lang="en-US" dirty="0" smtClean="0"/>
-          </a:p>
-          <a:p>
-            <a:r>
-              <a:rPr lang="en-US" dirty="0">
-                <a:hlinkClick r:id="rId3"/>
-              </a:rPr>
-              <a:t>http://plnkr.co</a:t>
-            </a:r>
-            <a:r>
-              <a:rPr lang="en-US" dirty="0" smtClean="0">
-                <a:hlinkClick r:id="rId3"/>
-              </a:rPr>
-              <a:t>/</a:t>
-            </a:r>
-            <a:endParaRPr lang="en-US" dirty="0" smtClean="0"/>
-          </a:p>
-          <a:p>
-            <a:r>
-              <a:rPr lang="en-US" dirty="0" smtClean="0">
-                <a:hlinkClick r:id="rId4"/>
-              </a:rPr>
-              <a:t>http</a:t>
-            </a:r>
-            <a:r>
-              <a:rPr lang="en-US" dirty="0">
-                <a:hlinkClick r:id="rId4"/>
-              </a:rPr>
-              <a:t>://sbb.cellfinder.org</a:t>
-            </a:r>
-            <a:r>
-              <a:rPr lang="en-US" dirty="0" smtClean="0">
-                <a:hlinkClick r:id="rId4"/>
-              </a:rPr>
-              <a:t>/</a:t>
-            </a:r>
-            <a:endParaRPr lang="en-US" dirty="0" smtClean="0"/>
-          </a:p>
-          <a:p>
-            <a:r>
-              <a:rPr lang="en-US" dirty="0">
-                <a:hlinkClick r:id="rId5"/>
-              </a:rPr>
-              <a:t>http://</a:t>
-            </a:r>
-            <a:r>
-              <a:rPr lang="en-US" dirty="0" smtClean="0">
-                <a:hlinkClick r:id="rId5"/>
-              </a:rPr>
-              <a:t>www.codeproject.com/Articles/552587/A-Look-Into-AngularJS-The-Super-heroic-JavaScript</a:t>
-            </a:r>
-            <a:endParaRPr lang="en-US" dirty="0" smtClean="0"/>
-          </a:p>
-          <a:p>
-            <a:r>
-              <a:rPr lang="en-US">
-                <a:hlinkClick r:id="rId6"/>
-              </a:rPr>
-              <a:t>http</a:t>
-            </a:r>
-            <a:r>
-              <a:rPr lang="en-US">
-                <a:hlinkClick r:id="rId6"/>
-              </a:rPr>
-              <a:t>://</a:t>
-            </a:r>
-            <a:r>
-              <a:rPr lang="en-US" smtClean="0">
-                <a:hlinkClick r:id="rId6"/>
-              </a:rPr>
-              <a:t>plnkr.co/edit/qIGQQK?p=info</a:t>
-            </a:r>
-            <a:endParaRPr lang="en-US" dirty="0" smtClean="0"/>
-          </a:p>
-          <a:p>
-            <a:endParaRPr lang="en-US" dirty="0" smtClean="0"/>
-          </a:p>
-          <a:p>
-            <a:endParaRPr lang="en-US" dirty="0"/>
-          </a:p>
-        </p:txBody>
-      </p:sp>
-      <p:sp>
-        <p:nvSpPr>
           <p:cNvPr id="4" name="Date Placeholder 3"/>
           <p:cNvSpPr>
             <a:spLocks noGrp="1"/>
@@ -7717,7 +7435,7 @@
             <a:fld id="{A515C7B7-5D4B-4931-8F39-EEC12BF65E38}" type="datetime3">
               <a:rPr lang="en-US" smtClean="0"/>
               <a:pPr/>
-              <a:t>28 February 2014</a:t>
+              <a:t>19 May 2014</a:t>
             </a:fld>
             <a:endParaRPr lang="en-US" dirty="0"/>
           </a:p>
@@ -7770,10 +7488,425 @@
           </a:p>
         </p:txBody>
       </p:sp>
+      <p:sp>
+        <p:nvSpPr>
+          <p:cNvPr id="7" name="TextBox 6"/>
+          <p:cNvSpPr txBox="1"/>
+          <p:nvPr/>
+        </p:nvSpPr>
+        <p:spPr>
+          <a:xfrm>
+            <a:off x="457200" y="404664"/>
+            <a:ext cx="8229600" cy="5386090"/>
+          </a:xfrm>
+          <a:prstGeom prst="rect">
+            <a:avLst/>
+          </a:prstGeom>
+          <a:noFill/>
+        </p:spPr>
+        <p:txBody>
+          <a:bodyPr wrap="square" rtlCol="0">
+            <a:spAutoFit/>
+          </a:bodyPr>
+          <a:lstStyle/>
+          <a:p>
+            <a:pPr lvl="1">
+              <a:buNone/>
+            </a:pPr>
+            <a:r>
+              <a:rPr lang="en-IN" dirty="0" smtClean="0"/>
+              <a:t>&lt;html ng-app=“</a:t>
+            </a:r>
+            <a:r>
+              <a:rPr lang="en-US" dirty="0" smtClean="0"/>
+              <a:t>myApp”</a:t>
+            </a:r>
+            <a:r>
+              <a:rPr lang="en-IN" dirty="0" smtClean="0"/>
+              <a:t>&gt;</a:t>
+            </a:r>
+          </a:p>
+          <a:p>
+            <a:pPr lvl="1">
+              <a:buNone/>
+            </a:pPr>
+            <a:r>
+              <a:rPr lang="en-IN" dirty="0" smtClean="0"/>
+              <a:t>&lt;body &gt;</a:t>
+            </a:r>
+          </a:p>
+          <a:p>
+            <a:pPr lvl="1">
+              <a:buNone/>
+            </a:pPr>
+            <a:r>
+              <a:rPr lang="en-IN" dirty="0" smtClean="0"/>
+              <a:t>&lt;</a:t>
+            </a:r>
+            <a:r>
+              <a:rPr lang="en-IN" dirty="0"/>
+              <a:t>div </a:t>
+            </a:r>
+            <a:r>
+              <a:rPr lang="en-IN" dirty="0" smtClean="0"/>
+              <a:t>&gt;</a:t>
+            </a:r>
+            <a:endParaRPr lang="en-IN" dirty="0"/>
+          </a:p>
+          <a:p>
+            <a:pPr lvl="3">
+              <a:buNone/>
+            </a:pPr>
+            <a:r>
+              <a:rPr lang="en-IN" sz="2000" dirty="0"/>
+              <a:t>	{{ 'World' | greet </a:t>
+            </a:r>
+            <a:r>
+              <a:rPr lang="en-IN" sz="2000" dirty="0" smtClean="0"/>
+              <a:t>}}</a:t>
+            </a:r>
+            <a:r>
+              <a:rPr lang="en-IN" dirty="0" smtClean="0"/>
+              <a:t>&lt;/</a:t>
+            </a:r>
+            <a:r>
+              <a:rPr lang="en-IN" dirty="0"/>
+              <a:t>div&gt;</a:t>
+            </a:r>
+          </a:p>
+          <a:p>
+            <a:pPr lvl="1">
+              <a:buNone/>
+            </a:pPr>
+            <a:r>
+              <a:rPr lang="en-IN" dirty="0" smtClean="0"/>
+              <a:t>&lt;/body&gt;</a:t>
+            </a:r>
+          </a:p>
+          <a:p>
+            <a:pPr lvl="1">
+              <a:buNone/>
+            </a:pPr>
+            <a:r>
+              <a:rPr lang="en-IN" dirty="0" smtClean="0"/>
+              <a:t>&lt;script src=‘angular.js’/&gt;</a:t>
+            </a:r>
+          </a:p>
+          <a:p>
+            <a:pPr lvl="1">
+              <a:buNone/>
+            </a:pPr>
+            <a:r>
+              <a:rPr lang="en-IN" dirty="0" smtClean="0"/>
+              <a:t>&lt;script src=‘modules.js’/&gt;</a:t>
+            </a:r>
+          </a:p>
+          <a:p>
+            <a:pPr lvl="1">
+              <a:buNone/>
+            </a:pPr>
+            <a:r>
+              <a:rPr lang="en-IN" dirty="0" smtClean="0"/>
+              <a:t>&lt;/html&gt;</a:t>
+            </a:r>
+          </a:p>
+          <a:p>
+            <a:pPr lvl="1">
+              <a:buNone/>
+            </a:pPr>
+            <a:endParaRPr lang="en-IN" dirty="0" smtClean="0"/>
+          </a:p>
+          <a:p>
+            <a:pPr lvl="1">
+              <a:buNone/>
+            </a:pPr>
+            <a:endParaRPr lang="en-IN" dirty="0"/>
+          </a:p>
+          <a:p>
+            <a:pPr lvl="1">
+              <a:buNone/>
+            </a:pPr>
+            <a:r>
+              <a:rPr lang="en-IN" dirty="0">
+                <a:solidFill>
+                  <a:srgbClr val="00B050"/>
+                </a:solidFill>
+              </a:rPr>
+              <a:t>// declare a module</a:t>
+            </a:r>
+          </a:p>
+          <a:p>
+            <a:pPr lvl="1">
+              <a:buNone/>
+            </a:pPr>
+            <a:r>
+              <a:rPr lang="en-IN" dirty="0"/>
+              <a:t>var myAppModule = </a:t>
+            </a:r>
+            <a:r>
+              <a:rPr lang="en-IN" dirty="0" smtClean="0"/>
+              <a:t>angular.module(‘</a:t>
+            </a:r>
+            <a:r>
+              <a:rPr lang="en-US" dirty="0" smtClean="0"/>
+              <a:t>myApp</a:t>
+            </a:r>
+            <a:r>
+              <a:rPr lang="en-IN" dirty="0" smtClean="0"/>
+              <a:t>', </a:t>
+            </a:r>
+            <a:r>
+              <a:rPr lang="en-IN" dirty="0"/>
+              <a:t>[]);</a:t>
+            </a:r>
+          </a:p>
+          <a:p>
+            <a:pPr lvl="1">
+              <a:buNone/>
+            </a:pPr>
+            <a:endParaRPr lang="en-IN" dirty="0"/>
+          </a:p>
+          <a:p>
+            <a:pPr lvl="1">
+              <a:buNone/>
+            </a:pPr>
+            <a:r>
+              <a:rPr lang="en-IN" dirty="0">
+                <a:solidFill>
+                  <a:srgbClr val="00B050"/>
+                </a:solidFill>
+              </a:rPr>
+              <a:t>// configure the </a:t>
+            </a:r>
+            <a:r>
+              <a:rPr lang="en-IN" dirty="0" smtClean="0">
+                <a:solidFill>
+                  <a:srgbClr val="00B050"/>
+                </a:solidFill>
+              </a:rPr>
+              <a:t>module.</a:t>
+            </a:r>
+          </a:p>
+          <a:p>
+            <a:pPr lvl="1">
+              <a:buNone/>
+            </a:pPr>
+            <a:r>
+              <a:rPr lang="en-IN" dirty="0" smtClean="0"/>
+              <a:t>myAppModule.filter</a:t>
+            </a:r>
+            <a:r>
+              <a:rPr lang="en-IN" dirty="0"/>
+              <a:t>('greet', function() {</a:t>
+            </a:r>
+          </a:p>
+          <a:p>
+            <a:pPr lvl="2"/>
+            <a:r>
+              <a:rPr lang="en-IN" dirty="0"/>
+              <a:t> return function(name) {</a:t>
+            </a:r>
+          </a:p>
+          <a:p>
+            <a:pPr lvl="2"/>
+            <a:r>
+              <a:rPr lang="en-IN" dirty="0"/>
+              <a:t>    return 'Hello, ' + name + '!';</a:t>
+            </a:r>
+          </a:p>
+          <a:p>
+            <a:pPr lvl="2"/>
+            <a:r>
+              <a:rPr lang="en-IN" dirty="0"/>
+              <a:t>  };</a:t>
+            </a:r>
+          </a:p>
+          <a:p>
+            <a:pPr lvl="1">
+              <a:buNone/>
+            </a:pPr>
+            <a:r>
+              <a:rPr lang="en-IN" dirty="0"/>
+              <a:t>});</a:t>
+            </a:r>
+          </a:p>
+        </p:txBody>
+      </p:sp>
+      <p:cxnSp>
+        <p:nvCxnSpPr>
+          <p:cNvPr id="12" name="Straight Connector 11"/>
+          <p:cNvCxnSpPr/>
+          <p:nvPr/>
+        </p:nvCxnSpPr>
+        <p:spPr>
+          <a:xfrm>
+            <a:off x="683568" y="2924944"/>
+            <a:ext cx="7344816" cy="0"/>
+          </a:xfrm>
+          <a:prstGeom prst="line">
+            <a:avLst/>
+          </a:prstGeom>
+          <a:ln>
+            <a:solidFill>
+              <a:schemeClr val="accent1">
+                <a:shade val="95000"/>
+                <a:satMod val="105000"/>
+              </a:schemeClr>
+            </a:solidFill>
+            <a:prstDash val="lgDash"/>
+          </a:ln>
+        </p:spPr>
+        <p:style>
+          <a:lnRef idx="1">
+            <a:schemeClr val="accent1"/>
+          </a:lnRef>
+          <a:fillRef idx="0">
+            <a:schemeClr val="accent1"/>
+          </a:fillRef>
+          <a:effectRef idx="0">
+            <a:schemeClr val="accent1"/>
+          </a:effectRef>
+          <a:fontRef idx="minor">
+            <a:schemeClr val="tx1"/>
+          </a:fontRef>
+        </p:style>
+      </p:cxnSp>
+      <p:sp>
+        <p:nvSpPr>
+          <p:cNvPr id="14" name="8-Point Star 13"/>
+          <p:cNvSpPr/>
+          <p:nvPr/>
+        </p:nvSpPr>
+        <p:spPr>
+          <a:xfrm>
+            <a:off x="3851920" y="3068960"/>
+            <a:ext cx="504056" cy="432048"/>
+          </a:xfrm>
+          <a:prstGeom prst="star8">
+            <a:avLst/>
+          </a:prstGeom>
+        </p:spPr>
+        <p:style>
+          <a:lnRef idx="2">
+            <a:schemeClr val="accent1">
+              <a:shade val="50000"/>
+            </a:schemeClr>
+          </a:lnRef>
+          <a:fillRef idx="1">
+            <a:schemeClr val="accent1"/>
+          </a:fillRef>
+          <a:effectRef idx="0">
+            <a:schemeClr val="accent1"/>
+          </a:effectRef>
+          <a:fontRef idx="minor">
+            <a:schemeClr val="lt1"/>
+          </a:fontRef>
+        </p:style>
+        <p:txBody>
+          <a:bodyPr rtlCol="0" anchor="ctr"/>
+          <a:lstStyle/>
+          <a:p>
+            <a:pPr algn="ctr"/>
+            <a:r>
+              <a:rPr lang="en-US" dirty="0" smtClean="0"/>
+              <a:t>1</a:t>
+            </a:r>
+            <a:endParaRPr lang="en-US" dirty="0"/>
+          </a:p>
+        </p:txBody>
+      </p:sp>
+      <p:sp>
+        <p:nvSpPr>
+          <p:cNvPr id="15" name="8-Point Star 14"/>
+          <p:cNvSpPr/>
+          <p:nvPr/>
+        </p:nvSpPr>
+        <p:spPr>
+          <a:xfrm>
+            <a:off x="3347864" y="309521"/>
+            <a:ext cx="504056" cy="432048"/>
+          </a:xfrm>
+          <a:prstGeom prst="star8">
+            <a:avLst/>
+          </a:prstGeom>
+        </p:spPr>
+        <p:style>
+          <a:lnRef idx="2">
+            <a:schemeClr val="accent1">
+              <a:shade val="50000"/>
+            </a:schemeClr>
+          </a:lnRef>
+          <a:fillRef idx="1">
+            <a:schemeClr val="accent1"/>
+          </a:fillRef>
+          <a:effectRef idx="0">
+            <a:schemeClr val="accent1"/>
+          </a:effectRef>
+          <a:fontRef idx="minor">
+            <a:schemeClr val="lt1"/>
+          </a:fontRef>
+        </p:style>
+        <p:txBody>
+          <a:bodyPr rtlCol="0" anchor="ctr"/>
+          <a:lstStyle/>
+          <a:p>
+            <a:pPr algn="ctr"/>
+            <a:r>
+              <a:rPr lang="en-US" dirty="0"/>
+              <a:t>2</a:t>
+            </a:r>
+            <a:endParaRPr lang="en-US" dirty="0"/>
+          </a:p>
+        </p:txBody>
+      </p:sp>
+      <p:sp>
+        <p:nvSpPr>
+          <p:cNvPr id="16" name="8-Point Star 15"/>
+          <p:cNvSpPr/>
+          <p:nvPr/>
+        </p:nvSpPr>
+        <p:spPr>
+          <a:xfrm>
+            <a:off x="5698305" y="3490541"/>
+            <a:ext cx="504056" cy="432048"/>
+          </a:xfrm>
+          <a:prstGeom prst="star8">
+            <a:avLst/>
+          </a:prstGeom>
+        </p:spPr>
+        <p:style>
+          <a:lnRef idx="2">
+            <a:schemeClr val="accent1">
+              <a:shade val="50000"/>
+            </a:schemeClr>
+          </a:lnRef>
+          <a:fillRef idx="1">
+            <a:schemeClr val="accent1"/>
+          </a:fillRef>
+          <a:effectRef idx="0">
+            <a:schemeClr val="accent1"/>
+          </a:effectRef>
+          <a:fontRef idx="minor">
+            <a:schemeClr val="lt1"/>
+          </a:fontRef>
+        </p:style>
+        <p:txBody>
+          <a:bodyPr rtlCol="0" anchor="ctr"/>
+          <a:lstStyle/>
+          <a:p>
+            <a:pPr algn="ctr"/>
+            <a:r>
+              <a:rPr lang="en-US" dirty="0"/>
+              <a:t>3</a:t>
+            </a:r>
+            <a:endParaRPr lang="en-US" dirty="0"/>
+          </a:p>
+        </p:txBody>
+      </p:sp>
     </p:spTree>
     <p:extLst>
       <p:ext uri="{BB962C8B-B14F-4D97-AF65-F5344CB8AC3E}">
-        <p14:creationId xmlns:p14="http://schemas.microsoft.com/office/powerpoint/2010/main" val="4247979547"/>
+        <p14:creationId xmlns:p14="http://schemas.microsoft.com/office/powerpoint/2010/main" val="421448655"/>
       </p:ext>
     </p:extLst>
   </p:cSld>
@@ -8016,7 +8149,7 @@
             <a:fld id="{860DF98C-03C0-49AA-89BB-547A4298B4E0}" type="datetime3">
               <a:rPr lang="en-US" smtClean="0"/>
               <a:pPr/>
-              <a:t>28 February 2014</a:t>
+              <a:t>19 May 2014</a:t>
             </a:fld>
             <a:endParaRPr lang="en-US" dirty="0"/>
           </a:p>
@@ -8034,6 +8167,232 @@
       </p:par>
     </p:tnLst>
   </p:timing>
+</p:sld>
+</file>
+
+<file path=ppt/slides/slide20.xml><?xml version="1.0" encoding="utf-8"?>
+<p:sld xmlns:a="http://schemas.openxmlformats.org/drawingml/2006/main" xmlns:r="http://schemas.openxmlformats.org/officeDocument/2006/relationships" xmlns:p="http://schemas.openxmlformats.org/presentationml/2006/main">
+  <p:cSld>
+    <p:spTree>
+      <p:nvGrpSpPr>
+        <p:cNvPr id="1" name=""/>
+        <p:cNvGrpSpPr/>
+        <p:nvPr/>
+      </p:nvGrpSpPr>
+      <p:grpSpPr>
+        <a:xfrm>
+          <a:off x="0" y="0"/>
+          <a:ext cx="0" cy="0"/>
+          <a:chOff x="0" y="0"/>
+          <a:chExt cx="0" cy="0"/>
+        </a:xfrm>
+      </p:grpSpPr>
+      <p:sp>
+        <p:nvSpPr>
+          <p:cNvPr id="2" name="Title 1"/>
+          <p:cNvSpPr>
+            <a:spLocks noGrp="1"/>
+          </p:cNvSpPr>
+          <p:nvPr>
+            <p:ph type="title"/>
+          </p:nvPr>
+        </p:nvSpPr>
+        <p:spPr/>
+        <p:txBody>
+          <a:bodyPr/>
+          <a:lstStyle/>
+          <a:p>
+            <a:r>
+              <a:rPr lang="en-US" dirty="0"/>
+              <a:t>http://builtwith.angularjs.org/</a:t>
+            </a:r>
+          </a:p>
+        </p:txBody>
+      </p:sp>
+      <p:sp>
+        <p:nvSpPr>
+          <p:cNvPr id="3" name="Content Placeholder 2"/>
+          <p:cNvSpPr>
+            <a:spLocks noGrp="1"/>
+          </p:cNvSpPr>
+          <p:nvPr>
+            <p:ph idx="1"/>
+          </p:nvPr>
+        </p:nvSpPr>
+        <p:spPr/>
+        <p:txBody>
+          <a:bodyPr/>
+          <a:lstStyle/>
+          <a:p>
+            <a:r>
+              <a:rPr lang="en-US" dirty="0">
+                <a:hlinkClick r:id="rId2"/>
+              </a:rPr>
+              <a:t>http://www.localytics.com/blog/2013/angularjs-at-localytics</a:t>
+            </a:r>
+            <a:r>
+              <a:rPr lang="en-US" dirty="0" smtClean="0">
+                <a:hlinkClick r:id="rId2"/>
+              </a:rPr>
+              <a:t>/</a:t>
+            </a:r>
+            <a:endParaRPr lang="en-US" dirty="0" smtClean="0"/>
+          </a:p>
+          <a:p>
+            <a:r>
+              <a:rPr lang="en-US" dirty="0">
+                <a:hlinkClick r:id="rId3"/>
+              </a:rPr>
+              <a:t>http://plnkr.co</a:t>
+            </a:r>
+            <a:r>
+              <a:rPr lang="en-US" dirty="0" smtClean="0">
+                <a:hlinkClick r:id="rId3"/>
+              </a:rPr>
+              <a:t>/</a:t>
+            </a:r>
+            <a:endParaRPr lang="en-US" dirty="0" smtClean="0"/>
+          </a:p>
+          <a:p>
+            <a:r>
+              <a:rPr lang="en-US" dirty="0" smtClean="0">
+                <a:hlinkClick r:id="rId4"/>
+              </a:rPr>
+              <a:t>http</a:t>
+            </a:r>
+            <a:r>
+              <a:rPr lang="en-US" dirty="0">
+                <a:hlinkClick r:id="rId4"/>
+              </a:rPr>
+              <a:t>://sbb.cellfinder.org</a:t>
+            </a:r>
+            <a:r>
+              <a:rPr lang="en-US" dirty="0" smtClean="0">
+                <a:hlinkClick r:id="rId4"/>
+              </a:rPr>
+              <a:t>/</a:t>
+            </a:r>
+            <a:endParaRPr lang="en-US" dirty="0" smtClean="0"/>
+          </a:p>
+          <a:p>
+            <a:r>
+              <a:rPr lang="en-US" dirty="0">
+                <a:hlinkClick r:id="rId5"/>
+              </a:rPr>
+              <a:t>http://</a:t>
+            </a:r>
+            <a:r>
+              <a:rPr lang="en-US" dirty="0" smtClean="0">
+                <a:hlinkClick r:id="rId5"/>
+              </a:rPr>
+              <a:t>www.codeproject.com/Articles/552587/A-Look-Into-AngularJS-The-Super-heroic-JavaScript</a:t>
+            </a:r>
+            <a:endParaRPr lang="en-US" dirty="0" smtClean="0"/>
+          </a:p>
+          <a:p>
+            <a:r>
+              <a:rPr lang="en-US">
+                <a:hlinkClick r:id="rId6"/>
+              </a:rPr>
+              <a:t>http://</a:t>
+            </a:r>
+            <a:r>
+              <a:rPr lang="en-US" smtClean="0">
+                <a:hlinkClick r:id="rId6"/>
+              </a:rPr>
+              <a:t>plnkr.co/edit/qIGQQK?p=info</a:t>
+            </a:r>
+            <a:endParaRPr lang="en-US" dirty="0" smtClean="0"/>
+          </a:p>
+          <a:p>
+            <a:endParaRPr lang="en-US" dirty="0" smtClean="0"/>
+          </a:p>
+          <a:p>
+            <a:endParaRPr lang="en-US" dirty="0"/>
+          </a:p>
+        </p:txBody>
+      </p:sp>
+      <p:sp>
+        <p:nvSpPr>
+          <p:cNvPr id="4" name="Date Placeholder 3"/>
+          <p:cNvSpPr>
+            <a:spLocks noGrp="1"/>
+          </p:cNvSpPr>
+          <p:nvPr>
+            <p:ph type="dt" sz="half" idx="10"/>
+          </p:nvPr>
+        </p:nvSpPr>
+        <p:spPr/>
+        <p:txBody>
+          <a:bodyPr/>
+          <a:lstStyle/>
+          <a:p>
+            <a:fld id="{A515C7B7-5D4B-4931-8F39-EEC12BF65E38}" type="datetime3">
+              <a:rPr lang="en-US" smtClean="0"/>
+              <a:pPr/>
+              <a:t>19 May 2014</a:t>
+            </a:fld>
+            <a:endParaRPr lang="en-US" dirty="0"/>
+          </a:p>
+        </p:txBody>
+      </p:sp>
+      <p:sp>
+        <p:nvSpPr>
+          <p:cNvPr id="5" name="Footer Placeholder 4"/>
+          <p:cNvSpPr>
+            <a:spLocks noGrp="1"/>
+          </p:cNvSpPr>
+          <p:nvPr>
+            <p:ph type="ftr" sz="quarter" idx="11"/>
+          </p:nvPr>
+        </p:nvSpPr>
+        <p:spPr/>
+        <p:txBody>
+          <a:bodyPr/>
+          <a:lstStyle/>
+          <a:p>
+            <a:r>
+              <a:rPr lang="en-US" smtClean="0"/>
+              <a:t>Introduction to AngularJs </a:t>
+            </a:r>
+            <a:endParaRPr lang="en-US" dirty="0"/>
+          </a:p>
+        </p:txBody>
+      </p:sp>
+      <p:sp>
+        <p:nvSpPr>
+          <p:cNvPr id="6" name="Slide Number Placeholder 5"/>
+          <p:cNvSpPr>
+            <a:spLocks noGrp="1"/>
+          </p:cNvSpPr>
+          <p:nvPr>
+            <p:ph type="sldNum" sz="quarter" idx="12"/>
+          </p:nvPr>
+        </p:nvSpPr>
+        <p:spPr/>
+        <p:txBody>
+          <a:bodyPr/>
+          <a:lstStyle/>
+          <a:p>
+            <a:fld id="{B6F15528-21DE-4FAA-801E-634DDDAF4B2B}" type="slidenum">
+              <a:rPr lang="en-US" smtClean="0"/>
+              <a:pPr/>
+              <a:t>20</a:t>
+            </a:fld>
+            <a:endParaRPr lang="en-US" dirty="0"/>
+          </a:p>
+        </p:txBody>
+      </p:sp>
+    </p:spTree>
+    <p:extLst>
+      <p:ext uri="{BB962C8B-B14F-4D97-AF65-F5344CB8AC3E}">
+        <p14:creationId xmlns:p14="http://schemas.microsoft.com/office/powerpoint/2010/main" val="4247979547"/>
+      </p:ext>
+    </p:extLst>
+  </p:cSld>
+  <p:clrMapOvr>
+    <a:masterClrMapping/>
+  </p:clrMapOvr>
 </p:sld>
 </file>
 
@@ -8338,7 +8697,7 @@
             <a:fld id="{D3E02694-3AE6-4AFB-93C3-507E9A2CF41B}" type="datetime3">
               <a:rPr lang="en-US" smtClean="0"/>
               <a:pPr/>
-              <a:t>28 February 2014</a:t>
+              <a:t>19 May 2014</a:t>
             </a:fld>
             <a:endParaRPr lang="en-US" dirty="0"/>
           </a:p>
@@ -8777,7 +9136,7 @@
             <a:fld id="{DEB79723-AA19-4650-AD9F-C80C69155B6F}" type="datetime3">
               <a:rPr lang="en-US" smtClean="0"/>
               <a:pPr/>
-              <a:t>28 February 2014</a:t>
+              <a:t>19 May 2014</a:t>
             </a:fld>
             <a:endParaRPr lang="en-US" dirty="0"/>
           </a:p>
@@ -9041,7 +9400,7 @@
             <a:fld id="{E55D1E75-F900-43EE-9C2C-9303AA0CD64E}" type="datetime3">
               <a:rPr lang="en-US" smtClean="0"/>
               <a:pPr/>
-              <a:t>28 February 2014</a:t>
+              <a:t>19 May 2014</a:t>
             </a:fld>
             <a:endParaRPr lang="en-US" dirty="0"/>
           </a:p>
@@ -9260,7 +9619,7 @@
             <a:fld id="{D3CF4BE8-2807-4069-A87C-3001942BD9CC}" type="datetime3">
               <a:rPr lang="en-US" smtClean="0"/>
               <a:pPr/>
-              <a:t>28 February 2014</a:t>
+              <a:t>19 May 2014</a:t>
             </a:fld>
             <a:endParaRPr lang="en-US" dirty="0"/>
           </a:p>
@@ -9684,7 +10043,7 @@
             <a:fld id="{EE239BB9-3C3E-4B85-98F9-5FCCAE48EC0D}" type="datetime3">
               <a:rPr lang="en-US" smtClean="0"/>
               <a:pPr/>
-              <a:t>28 February 2014</a:t>
+              <a:t>19 May 2014</a:t>
             </a:fld>
             <a:endParaRPr lang="en-US" dirty="0"/>
           </a:p>
@@ -10105,7 +10464,7 @@
             <a:fld id="{7FFFF881-1366-4891-BB37-9A6FB83D5001}" type="datetime3">
               <a:rPr lang="en-US" smtClean="0"/>
               <a:pPr/>
-              <a:t>28 February 2014</a:t>
+              <a:t>19 May 2014</a:t>
             </a:fld>
             <a:endParaRPr lang="en-US" dirty="0"/>
           </a:p>
@@ -10417,7 +10776,7 @@
             <a:fld id="{4B856BB5-ABF1-4CF6-97B6-40F6B33AF49E}" type="datetime3">
               <a:rPr lang="en-US" smtClean="0"/>
               <a:pPr/>
-              <a:t>28 February 2014</a:t>
+              <a:t>19 May 2014</a:t>
             </a:fld>
             <a:endParaRPr lang="en-US" dirty="0"/>
           </a:p>
